--- a/practical_class/class_ppt/0519程一實習.pptx
+++ b/practical_class/class_ppt/0519程一實習.pptx
@@ -5457,6 +5457,16 @@
             <a:r>
               <a:rPr lang="zh-TW" altLang="en-US" sz="3600" dirty="0"/>
               <a:t>指標題目很多，原則不變，多花時間理解、熟悉指標的概念與基本操作</a:t>
+            </a:r>
+            <a:endParaRPr lang="en-US" altLang="zh-TW" sz="3600" dirty="0"/>
+          </a:p>
+          <a:p>
+            <a:endParaRPr lang="en-US" altLang="zh-TW" sz="3600" dirty="0"/>
+          </a:p>
+          <a:p>
+            <a:r>
+              <a:rPr lang="zh-TW" altLang="en-US" sz="3600" dirty="0"/>
+              <a:t>老師有提供題目，花時間思考，先畫圖在紙上，最後練到能在腦裡畫圖</a:t>
             </a:r>
           </a:p>
         </p:txBody>

--- a/practical_class/class_ppt/0519程一實習.pptx
+++ b/practical_class/class_ppt/0519程一實習.pptx
@@ -230,7 +230,7 @@
           <a:p>
             <a:fld id="{4A026C94-271D-49A1-BABA-212293D723B7}" type="datetimeFigureOut">
               <a:rPr lang="zh-TW" altLang="en-US" smtClean="0"/>
-              <a:t>2022/5/18</a:t>
+              <a:t>2022/6/1</a:t>
             </a:fld>
             <a:endParaRPr lang="zh-TW" altLang="en-US"/>
           </a:p>
@@ -731,7 +731,7 @@
           <a:p>
             <a:fld id="{EC09F29B-51DF-41BF-B9C1-3A09295E2F91}" type="datetimeFigureOut">
               <a:rPr lang="zh-TW" altLang="en-US" smtClean="0"/>
-              <a:t>2022/5/18</a:t>
+              <a:t>2022/6/1</a:t>
             </a:fld>
             <a:endParaRPr lang="zh-TW" altLang="en-US"/>
           </a:p>
@@ -929,7 +929,7 @@
           <a:p>
             <a:fld id="{EC09F29B-51DF-41BF-B9C1-3A09295E2F91}" type="datetimeFigureOut">
               <a:rPr lang="zh-TW" altLang="en-US" smtClean="0"/>
-              <a:t>2022/5/18</a:t>
+              <a:t>2022/6/1</a:t>
             </a:fld>
             <a:endParaRPr lang="zh-TW" altLang="en-US"/>
           </a:p>
@@ -1137,7 +1137,7 @@
           <a:p>
             <a:fld id="{EC09F29B-51DF-41BF-B9C1-3A09295E2F91}" type="datetimeFigureOut">
               <a:rPr lang="zh-TW" altLang="en-US" smtClean="0"/>
-              <a:t>2022/5/18</a:t>
+              <a:t>2022/6/1</a:t>
             </a:fld>
             <a:endParaRPr lang="zh-TW" altLang="en-US"/>
           </a:p>
@@ -1335,7 +1335,7 @@
           <a:p>
             <a:fld id="{EC09F29B-51DF-41BF-B9C1-3A09295E2F91}" type="datetimeFigureOut">
               <a:rPr lang="zh-TW" altLang="en-US" smtClean="0"/>
-              <a:t>2022/5/18</a:t>
+              <a:t>2022/6/1</a:t>
             </a:fld>
             <a:endParaRPr lang="zh-TW" altLang="en-US"/>
           </a:p>
@@ -1610,7 +1610,7 @@
           <a:p>
             <a:fld id="{EC09F29B-51DF-41BF-B9C1-3A09295E2F91}" type="datetimeFigureOut">
               <a:rPr lang="zh-TW" altLang="en-US" smtClean="0"/>
-              <a:t>2022/5/18</a:t>
+              <a:t>2022/6/1</a:t>
             </a:fld>
             <a:endParaRPr lang="zh-TW" altLang="en-US"/>
           </a:p>
@@ -1875,7 +1875,7 @@
           <a:p>
             <a:fld id="{EC09F29B-51DF-41BF-B9C1-3A09295E2F91}" type="datetimeFigureOut">
               <a:rPr lang="zh-TW" altLang="en-US" smtClean="0"/>
-              <a:t>2022/5/18</a:t>
+              <a:t>2022/6/1</a:t>
             </a:fld>
             <a:endParaRPr lang="zh-TW" altLang="en-US"/>
           </a:p>
@@ -2287,7 +2287,7 @@
           <a:p>
             <a:fld id="{EC09F29B-51DF-41BF-B9C1-3A09295E2F91}" type="datetimeFigureOut">
               <a:rPr lang="zh-TW" altLang="en-US" smtClean="0"/>
-              <a:t>2022/5/18</a:t>
+              <a:t>2022/6/1</a:t>
             </a:fld>
             <a:endParaRPr lang="zh-TW" altLang="en-US"/>
           </a:p>
@@ -2428,7 +2428,7 @@
           <a:p>
             <a:fld id="{EC09F29B-51DF-41BF-B9C1-3A09295E2F91}" type="datetimeFigureOut">
               <a:rPr lang="zh-TW" altLang="en-US" smtClean="0"/>
-              <a:t>2022/5/18</a:t>
+              <a:t>2022/6/1</a:t>
             </a:fld>
             <a:endParaRPr lang="zh-TW" altLang="en-US"/>
           </a:p>
@@ -2541,7 +2541,7 @@
           <a:p>
             <a:fld id="{EC09F29B-51DF-41BF-B9C1-3A09295E2F91}" type="datetimeFigureOut">
               <a:rPr lang="zh-TW" altLang="en-US" smtClean="0"/>
-              <a:t>2022/5/18</a:t>
+              <a:t>2022/6/1</a:t>
             </a:fld>
             <a:endParaRPr lang="zh-TW" altLang="en-US"/>
           </a:p>
@@ -2852,7 +2852,7 @@
           <a:p>
             <a:fld id="{EC09F29B-51DF-41BF-B9C1-3A09295E2F91}" type="datetimeFigureOut">
               <a:rPr lang="zh-TW" altLang="en-US" smtClean="0"/>
-              <a:t>2022/5/18</a:t>
+              <a:t>2022/6/1</a:t>
             </a:fld>
             <a:endParaRPr lang="zh-TW" altLang="en-US"/>
           </a:p>
@@ -3140,7 +3140,7 @@
           <a:p>
             <a:fld id="{EC09F29B-51DF-41BF-B9C1-3A09295E2F91}" type="datetimeFigureOut">
               <a:rPr lang="zh-TW" altLang="en-US" smtClean="0"/>
-              <a:t>2022/5/18</a:t>
+              <a:t>2022/6/1</a:t>
             </a:fld>
             <a:endParaRPr lang="zh-TW" altLang="en-US"/>
           </a:p>
@@ -3381,7 +3381,7 @@
           <a:p>
             <a:fld id="{EC09F29B-51DF-41BF-B9C1-3A09295E2F91}" type="datetimeFigureOut">
               <a:rPr lang="zh-TW" altLang="en-US" smtClean="0"/>
-              <a:t>2022/5/18</a:t>
+              <a:t>2022/6/1</a:t>
             </a:fld>
             <a:endParaRPr lang="zh-TW" altLang="en-US"/>
           </a:p>
